--- a/GMUD.pptx
+++ b/GMUD.pptx
@@ -11435,7 +11435,7 @@
                   <a:cs typeface="Poppins"/>
                   <a:sym typeface="Poppins"/>
                 </a:rPr>
-                <a:t>Levantar Relatórios</a:t>
+                <a:t>Levantar Ambiente</a:t>
               </a:r>
               <a:endParaRPr sz="1200" b="1" dirty="0">
                 <a:solidFill>
@@ -16456,7 +16456,7 @@
         </p:nvSpPr>
         <p:spPr>
           <a:xfrm>
-            <a:off x="2562445" y="775088"/>
+            <a:off x="2551812" y="405115"/>
             <a:ext cx="5348177" cy="2800767"/>
           </a:xfrm>
           <a:prstGeom prst="rect">
@@ -17973,7 +17973,7 @@
               <a:buNone/>
             </a:pPr>
             <a:r>
-              <a:rPr lang="en" sz="5400" b="1" smtClean="0">
+              <a:rPr lang="en" sz="5400" b="1">
                 <a:solidFill>
                   <a:srgbClr val="FFFFFF"/>
                 </a:solidFill>
